--- a/HARP-Onboarding/HARP_Timeline.pptx
+++ b/HARP-Onboarding/HARP_Timeline.pptx
@@ -135,10 +135,7 @@
             <a:pPr>
               <a:defRPr sz="2800" b="0" i="0" u="none" strike="noStrike" kern="1200" spc="0" baseline="0">
                 <a:solidFill>
-                  <a:schemeClr val="tx1">
-                    <a:lumMod val="65000"/>
-                    <a:lumOff val="35000"/>
-                  </a:schemeClr>
+                  <a:schemeClr val="tx1"/>
                 </a:solidFill>
                 <a:latin typeface="Arial" panose="020B0604020202020204" pitchFamily="34" charset="0"/>
                 <a:ea typeface="+mn-ea"/>
@@ -147,6 +144,9 @@
             </a:pPr>
             <a:r>
               <a:rPr lang="en-US" sz="2800" dirty="0">
+                <a:solidFill>
+                  <a:schemeClr val="tx1"/>
+                </a:solidFill>
                 <a:latin typeface="Arial" panose="020B0604020202020204" pitchFamily="34" charset="0"/>
                 <a:cs typeface="Arial" panose="020B0604020202020204" pitchFamily="34" charset="0"/>
               </a:rPr>
@@ -154,6 +154,9 @@
             </a:r>
             <a:r>
               <a:rPr lang="en-US" sz="2800" baseline="0" dirty="0">
+                <a:solidFill>
+                  <a:schemeClr val="tx1"/>
+                </a:solidFill>
                 <a:latin typeface="Arial" panose="020B0604020202020204" pitchFamily="34" charset="0"/>
                 <a:cs typeface="Arial" panose="020B0604020202020204" pitchFamily="34" charset="0"/>
               </a:rPr>
@@ -161,12 +164,18 @@
             </a:r>
             <a:r>
               <a:rPr lang="en-US" sz="2800" baseline="0" dirty="0" smtClean="0">
+                <a:solidFill>
+                  <a:schemeClr val="tx1"/>
+                </a:solidFill>
                 <a:latin typeface="Arial" panose="020B0604020202020204" pitchFamily="34" charset="0"/>
                 <a:cs typeface="Arial" panose="020B0604020202020204" pitchFamily="34" charset="0"/>
               </a:rPr>
               <a:t>)</a:t>
             </a:r>
             <a:endParaRPr lang="en-US" sz="2800" dirty="0">
+              <a:solidFill>
+                <a:schemeClr val="tx1"/>
+              </a:solidFill>
               <a:latin typeface="Arial" panose="020B0604020202020204" pitchFamily="34" charset="0"/>
               <a:cs typeface="Arial" panose="020B0604020202020204" pitchFamily="34" charset="0"/>
             </a:endParaRPr>
@@ -196,10 +205,7 @@
           <a:pPr>
             <a:defRPr sz="2800" b="0" i="0" u="none" strike="noStrike" kern="1200" spc="0" baseline="0">
               <a:solidFill>
-                <a:schemeClr val="tx1">
-                  <a:lumMod val="65000"/>
-                  <a:lumOff val="35000"/>
-                </a:schemeClr>
+                <a:schemeClr val="tx1"/>
               </a:solidFill>
               <a:latin typeface="Arial" panose="020B0604020202020204" pitchFamily="34" charset="0"/>
               <a:ea typeface="+mn-ea"/>
@@ -1026,10 +1032,7 @@
             <a:pPr algn="just">
               <a:defRPr sz="1400" b="0" i="0" u="none" strike="noStrike" kern="1200" baseline="0">
                 <a:solidFill>
-                  <a:schemeClr val="tx1">
-                    <a:lumMod val="65000"/>
-                    <a:lumOff val="35000"/>
-                  </a:schemeClr>
+                  <a:schemeClr val="tx1"/>
                 </a:solidFill>
                 <a:latin typeface="Arial" panose="020B0604020202020204" pitchFamily="34" charset="0"/>
                 <a:ea typeface="+mn-ea"/>
@@ -4578,7 +4581,7 @@
           <p:nvPr>
             <p:extLst>
               <p:ext uri="{D42A27DB-BD31-4B8C-83A1-F6EECF244321}">
-                <p14:modId xmlns:p14="http://schemas.microsoft.com/office/powerpoint/2010/main" val="3505523976"/>
+                <p14:modId xmlns:p14="http://schemas.microsoft.com/office/powerpoint/2010/main" val="3396675656"/>
               </p:ext>
             </p:extLst>
           </p:nvPr>

--- a/HARP-Onboarding/HARP_Timeline.pptx
+++ b/HARP-Onboarding/HARP_Timeline.pptx
@@ -160,17 +160,7 @@
                 <a:latin typeface="Arial" panose="020B0604020202020204" pitchFamily="34" charset="0"/>
                 <a:cs typeface="Arial" panose="020B0604020202020204" pitchFamily="34" charset="0"/>
               </a:rPr>
-              <a:t> Research Program (HARP</a:t>
-            </a:r>
-            <a:r>
-              <a:rPr lang="en-US" sz="2800" baseline="0" dirty="0" smtClean="0">
-                <a:solidFill>
-                  <a:schemeClr val="tx1"/>
-                </a:solidFill>
-                <a:latin typeface="Arial" panose="020B0604020202020204" pitchFamily="34" charset="0"/>
-                <a:cs typeface="Arial" panose="020B0604020202020204" pitchFamily="34" charset="0"/>
-              </a:rPr>
-              <a:t>)</a:t>
+              <a:t> Research Program (HARP)</a:t>
             </a:r>
             <a:endParaRPr lang="en-US" sz="2800" dirty="0">
               <a:solidFill>
@@ -318,7 +308,7 @@
                   <c:v>Model Period Synthesis (Drought Forecasting)</c:v>
                 </c:pt>
                 <c:pt idx="19">
-                  <c:v>Tidal-Fresh Modeling (Tentative)</c:v>
+                  <c:v>Water Supply Operations Model - Python (Tentative)</c:v>
                 </c:pt>
                 <c:pt idx="21">
                   <c:v>WUDR (Consumptive Use Data Transfer, Export, and Analysis)</c:v>
@@ -693,7 +683,7 @@
                   <c:v>Model Period Synthesis (Drought Forecasting)</c:v>
                 </c:pt>
                 <c:pt idx="19">
-                  <c:v>Tidal-Fresh Modeling (Tentative)</c:v>
+                  <c:v>Water Supply Operations Model - Python (Tentative)</c:v>
                 </c:pt>
                 <c:pt idx="21">
                   <c:v>WUDR (Consumptive Use Data Transfer, Export, and Analysis)</c:v>
@@ -899,7 +889,7 @@
                         <c:v>Model Period Synthesis (Drought Forecasting)</c:v>
                       </c:pt>
                       <c:pt idx="19">
-                        <c:v>Tidal-Fresh Modeling (Tentative)</c:v>
+                        <c:v>Water Supply Operations Model - Python (Tentative)</c:v>
                       </c:pt>
                       <c:pt idx="21">
                         <c:v>WUDR (Consumptive Use Data Transfer, Export, and Analysis)</c:v>
@@ -1125,7 +1115,6 @@
     </c:plotArea>
     <c:plotVisOnly val="1"/>
     <c:dispBlanksAs val="gap"/>
-    <c:showDLblsOverMax val="0"/>
     <c:extLst>
       <c:ext xmlns:c16r3="http://schemas.microsoft.com/office/drawing/2017/03/chart" uri="{56B9EC1D-385E-4148-901F-78D8002777C0}">
         <c16r3:dataDisplayOptions16>
@@ -1133,6 +1122,7 @@
         </c16r3:dataDisplayOptions16>
       </c:ext>
     </c:extLst>
+    <c:showDLblsOverMax val="0"/>
   </c:chart>
   <c:spPr>
     <a:solidFill>
@@ -1751,7 +1741,7 @@
           </a:lstStyle>
           <a:p>
             <a:r>
-              <a:rPr lang="en-US" smtClean="0"/>
+              <a:rPr lang="en-US"/>
               <a:t>Click to edit Master title style</a:t>
             </a:r>
             <a:endParaRPr lang="en-US" dirty="0"/>
@@ -1816,7 +1806,7 @@
           </a:lstStyle>
           <a:p>
             <a:r>
-              <a:rPr lang="en-US" smtClean="0"/>
+              <a:rPr lang="en-US"/>
               <a:t>Click to edit Master subtitle style</a:t>
             </a:r>
             <a:endParaRPr lang="en-US" dirty="0"/>
@@ -1840,7 +1830,7 @@
           <a:p>
             <a:fld id="{D221FEF7-B48D-4556-A333-258536A9D94A}" type="datetimeFigureOut">
               <a:rPr lang="en-US" smtClean="0"/>
-              <a:t>5/10/2022</a:t>
+              <a:t>6/3/2022</a:t>
             </a:fld>
             <a:endParaRPr lang="en-US"/>
           </a:p>
@@ -1934,7 +1924,7 @@
           <a:lstStyle/>
           <a:p>
             <a:r>
-              <a:rPr lang="en-US" smtClean="0"/>
+              <a:rPr lang="en-US"/>
               <a:t>Click to edit Master title style</a:t>
             </a:r>
             <a:endParaRPr lang="en-US" dirty="0"/>
@@ -1958,35 +1948,35 @@
           <a:p>
             <a:pPr lvl="0"/>
             <a:r>
-              <a:rPr lang="en-US" smtClean="0"/>
+              <a:rPr lang="en-US"/>
               <a:t>Edit Master text styles</a:t>
             </a:r>
           </a:p>
           <a:p>
             <a:pPr lvl="1"/>
             <a:r>
-              <a:rPr lang="en-US" smtClean="0"/>
+              <a:rPr lang="en-US"/>
               <a:t>Second level</a:t>
             </a:r>
           </a:p>
           <a:p>
             <a:pPr lvl="2"/>
             <a:r>
-              <a:rPr lang="en-US" smtClean="0"/>
+              <a:rPr lang="en-US"/>
               <a:t>Third level</a:t>
             </a:r>
           </a:p>
           <a:p>
             <a:pPr lvl="3"/>
             <a:r>
-              <a:rPr lang="en-US" smtClean="0"/>
+              <a:rPr lang="en-US"/>
               <a:t>Fourth level</a:t>
             </a:r>
           </a:p>
           <a:p>
             <a:pPr lvl="4"/>
             <a:r>
-              <a:rPr lang="en-US" smtClean="0"/>
+              <a:rPr lang="en-US"/>
               <a:t>Fifth level</a:t>
             </a:r>
             <a:endParaRPr lang="en-US" dirty="0"/>
@@ -2010,7 +2000,7 @@
           <a:p>
             <a:fld id="{D221FEF7-B48D-4556-A333-258536A9D94A}" type="datetimeFigureOut">
               <a:rPr lang="en-US" smtClean="0"/>
-              <a:t>5/10/2022</a:t>
+              <a:t>6/3/2022</a:t>
             </a:fld>
             <a:endParaRPr lang="en-US"/>
           </a:p>
@@ -2109,7 +2099,7 @@
           <a:lstStyle/>
           <a:p>
             <a:r>
-              <a:rPr lang="en-US" smtClean="0"/>
+              <a:rPr lang="en-US"/>
               <a:t>Click to edit Master title style</a:t>
             </a:r>
             <a:endParaRPr lang="en-US" dirty="0"/>
@@ -2138,35 +2128,35 @@
           <a:p>
             <a:pPr lvl="0"/>
             <a:r>
-              <a:rPr lang="en-US" smtClean="0"/>
+              <a:rPr lang="en-US"/>
               <a:t>Edit Master text styles</a:t>
             </a:r>
           </a:p>
           <a:p>
             <a:pPr lvl="1"/>
             <a:r>
-              <a:rPr lang="en-US" smtClean="0"/>
+              <a:rPr lang="en-US"/>
               <a:t>Second level</a:t>
             </a:r>
           </a:p>
           <a:p>
             <a:pPr lvl="2"/>
             <a:r>
-              <a:rPr lang="en-US" smtClean="0"/>
+              <a:rPr lang="en-US"/>
               <a:t>Third level</a:t>
             </a:r>
           </a:p>
           <a:p>
             <a:pPr lvl="3"/>
             <a:r>
-              <a:rPr lang="en-US" smtClean="0"/>
+              <a:rPr lang="en-US"/>
               <a:t>Fourth level</a:t>
             </a:r>
           </a:p>
           <a:p>
             <a:pPr lvl="4"/>
             <a:r>
-              <a:rPr lang="en-US" smtClean="0"/>
+              <a:rPr lang="en-US"/>
               <a:t>Fifth level</a:t>
             </a:r>
             <a:endParaRPr lang="en-US" dirty="0"/>
@@ -2190,7 +2180,7 @@
           <a:p>
             <a:fld id="{D221FEF7-B48D-4556-A333-258536A9D94A}" type="datetimeFigureOut">
               <a:rPr lang="en-US" smtClean="0"/>
-              <a:t>5/10/2022</a:t>
+              <a:t>6/3/2022</a:t>
             </a:fld>
             <a:endParaRPr lang="en-US"/>
           </a:p>
@@ -2284,7 +2274,7 @@
           <a:lstStyle/>
           <a:p>
             <a:r>
-              <a:rPr lang="en-US" smtClean="0"/>
+              <a:rPr lang="en-US"/>
               <a:t>Click to edit Master title style</a:t>
             </a:r>
             <a:endParaRPr lang="en-US" dirty="0"/>
@@ -2308,35 +2298,35 @@
           <a:p>
             <a:pPr lvl="0"/>
             <a:r>
-              <a:rPr lang="en-US" smtClean="0"/>
+              <a:rPr lang="en-US"/>
               <a:t>Edit Master text styles</a:t>
             </a:r>
           </a:p>
           <a:p>
             <a:pPr lvl="1"/>
             <a:r>
-              <a:rPr lang="en-US" smtClean="0"/>
+              <a:rPr lang="en-US"/>
               <a:t>Second level</a:t>
             </a:r>
           </a:p>
           <a:p>
             <a:pPr lvl="2"/>
             <a:r>
-              <a:rPr lang="en-US" smtClean="0"/>
+              <a:rPr lang="en-US"/>
               <a:t>Third level</a:t>
             </a:r>
           </a:p>
           <a:p>
             <a:pPr lvl="3"/>
             <a:r>
-              <a:rPr lang="en-US" smtClean="0"/>
+              <a:rPr lang="en-US"/>
               <a:t>Fourth level</a:t>
             </a:r>
           </a:p>
           <a:p>
             <a:pPr lvl="4"/>
             <a:r>
-              <a:rPr lang="en-US" smtClean="0"/>
+              <a:rPr lang="en-US"/>
               <a:t>Fifth level</a:t>
             </a:r>
             <a:endParaRPr lang="en-US" dirty="0"/>
@@ -2360,7 +2350,7 @@
           <a:p>
             <a:fld id="{D221FEF7-B48D-4556-A333-258536A9D94A}" type="datetimeFigureOut">
               <a:rPr lang="en-US" smtClean="0"/>
-              <a:t>5/10/2022</a:t>
+              <a:t>6/3/2022</a:t>
             </a:fld>
             <a:endParaRPr lang="en-US"/>
           </a:p>
@@ -2463,7 +2453,7 @@
           </a:lstStyle>
           <a:p>
             <a:r>
-              <a:rPr lang="en-US" smtClean="0"/>
+              <a:rPr lang="en-US"/>
               <a:t>Click to edit Master title style</a:t>
             </a:r>
             <a:endParaRPr lang="en-US" dirty="0"/>
@@ -2581,7 +2571,7 @@
           <a:p>
             <a:pPr lvl="0"/>
             <a:r>
-              <a:rPr lang="en-US" smtClean="0"/>
+              <a:rPr lang="en-US"/>
               <a:t>Edit Master text styles</a:t>
             </a:r>
           </a:p>
@@ -2604,7 +2594,7 @@
           <a:p>
             <a:fld id="{D221FEF7-B48D-4556-A333-258536A9D94A}" type="datetimeFigureOut">
               <a:rPr lang="en-US" smtClean="0"/>
-              <a:t>5/10/2022</a:t>
+              <a:t>6/3/2022</a:t>
             </a:fld>
             <a:endParaRPr lang="en-US"/>
           </a:p>
@@ -2698,7 +2688,7 @@
           <a:lstStyle/>
           <a:p>
             <a:r>
-              <a:rPr lang="en-US" smtClean="0"/>
+              <a:rPr lang="en-US"/>
               <a:t>Click to edit Master title style</a:t>
             </a:r>
             <a:endParaRPr lang="en-US" dirty="0"/>
@@ -2727,35 +2717,35 @@
           <a:p>
             <a:pPr lvl="0"/>
             <a:r>
-              <a:rPr lang="en-US" smtClean="0"/>
+              <a:rPr lang="en-US"/>
               <a:t>Edit Master text styles</a:t>
             </a:r>
           </a:p>
           <a:p>
             <a:pPr lvl="1"/>
             <a:r>
-              <a:rPr lang="en-US" smtClean="0"/>
+              <a:rPr lang="en-US"/>
               <a:t>Second level</a:t>
             </a:r>
           </a:p>
           <a:p>
             <a:pPr lvl="2"/>
             <a:r>
-              <a:rPr lang="en-US" smtClean="0"/>
+              <a:rPr lang="en-US"/>
               <a:t>Third level</a:t>
             </a:r>
           </a:p>
           <a:p>
             <a:pPr lvl="3"/>
             <a:r>
-              <a:rPr lang="en-US" smtClean="0"/>
+              <a:rPr lang="en-US"/>
               <a:t>Fourth level</a:t>
             </a:r>
           </a:p>
           <a:p>
             <a:pPr lvl="4"/>
             <a:r>
-              <a:rPr lang="en-US" smtClean="0"/>
+              <a:rPr lang="en-US"/>
               <a:t>Fifth level</a:t>
             </a:r>
             <a:endParaRPr lang="en-US" dirty="0"/>
@@ -2784,35 +2774,35 @@
           <a:p>
             <a:pPr lvl="0"/>
             <a:r>
-              <a:rPr lang="en-US" smtClean="0"/>
+              <a:rPr lang="en-US"/>
               <a:t>Edit Master text styles</a:t>
             </a:r>
           </a:p>
           <a:p>
             <a:pPr lvl="1"/>
             <a:r>
-              <a:rPr lang="en-US" smtClean="0"/>
+              <a:rPr lang="en-US"/>
               <a:t>Second level</a:t>
             </a:r>
           </a:p>
           <a:p>
             <a:pPr lvl="2"/>
             <a:r>
-              <a:rPr lang="en-US" smtClean="0"/>
+              <a:rPr lang="en-US"/>
               <a:t>Third level</a:t>
             </a:r>
           </a:p>
           <a:p>
             <a:pPr lvl="3"/>
             <a:r>
-              <a:rPr lang="en-US" smtClean="0"/>
+              <a:rPr lang="en-US"/>
               <a:t>Fourth level</a:t>
             </a:r>
           </a:p>
           <a:p>
             <a:pPr lvl="4"/>
             <a:r>
-              <a:rPr lang="en-US" smtClean="0"/>
+              <a:rPr lang="en-US"/>
               <a:t>Fifth level</a:t>
             </a:r>
             <a:endParaRPr lang="en-US" dirty="0"/>
@@ -2836,7 +2826,7 @@
           <a:p>
             <a:fld id="{D221FEF7-B48D-4556-A333-258536A9D94A}" type="datetimeFigureOut">
               <a:rPr lang="en-US" smtClean="0"/>
-              <a:t>5/10/2022</a:t>
+              <a:t>6/3/2022</a:t>
             </a:fld>
             <a:endParaRPr lang="en-US"/>
           </a:p>
@@ -2935,7 +2925,7 @@
           <a:lstStyle/>
           <a:p>
             <a:r>
-              <a:rPr lang="en-US" smtClean="0"/>
+              <a:rPr lang="en-US"/>
               <a:t>Click to edit Master title style</a:t>
             </a:r>
             <a:endParaRPr lang="en-US" dirty="0"/>
@@ -3001,7 +2991,7 @@
           <a:p>
             <a:pPr lvl="0"/>
             <a:r>
-              <a:rPr lang="en-US" smtClean="0"/>
+              <a:rPr lang="en-US"/>
               <a:t>Edit Master text styles</a:t>
             </a:r>
           </a:p>
@@ -3029,35 +3019,35 @@
           <a:p>
             <a:pPr lvl="0"/>
             <a:r>
-              <a:rPr lang="en-US" smtClean="0"/>
+              <a:rPr lang="en-US"/>
               <a:t>Edit Master text styles</a:t>
             </a:r>
           </a:p>
           <a:p>
             <a:pPr lvl="1"/>
             <a:r>
-              <a:rPr lang="en-US" smtClean="0"/>
+              <a:rPr lang="en-US"/>
               <a:t>Second level</a:t>
             </a:r>
           </a:p>
           <a:p>
             <a:pPr lvl="2"/>
             <a:r>
-              <a:rPr lang="en-US" smtClean="0"/>
+              <a:rPr lang="en-US"/>
               <a:t>Third level</a:t>
             </a:r>
           </a:p>
           <a:p>
             <a:pPr lvl="3"/>
             <a:r>
-              <a:rPr lang="en-US" smtClean="0"/>
+              <a:rPr lang="en-US"/>
               <a:t>Fourth level</a:t>
             </a:r>
           </a:p>
           <a:p>
             <a:pPr lvl="4"/>
             <a:r>
-              <a:rPr lang="en-US" smtClean="0"/>
+              <a:rPr lang="en-US"/>
               <a:t>Fifth level</a:t>
             </a:r>
             <a:endParaRPr lang="en-US" dirty="0"/>
@@ -3123,7 +3113,7 @@
           <a:p>
             <a:pPr lvl="0"/>
             <a:r>
-              <a:rPr lang="en-US" smtClean="0"/>
+              <a:rPr lang="en-US"/>
               <a:t>Edit Master text styles</a:t>
             </a:r>
           </a:p>
@@ -3151,35 +3141,35 @@
           <a:p>
             <a:pPr lvl="0"/>
             <a:r>
-              <a:rPr lang="en-US" smtClean="0"/>
+              <a:rPr lang="en-US"/>
               <a:t>Edit Master text styles</a:t>
             </a:r>
           </a:p>
           <a:p>
             <a:pPr lvl="1"/>
             <a:r>
-              <a:rPr lang="en-US" smtClean="0"/>
+              <a:rPr lang="en-US"/>
               <a:t>Second level</a:t>
             </a:r>
           </a:p>
           <a:p>
             <a:pPr lvl="2"/>
             <a:r>
-              <a:rPr lang="en-US" smtClean="0"/>
+              <a:rPr lang="en-US"/>
               <a:t>Third level</a:t>
             </a:r>
           </a:p>
           <a:p>
             <a:pPr lvl="3"/>
             <a:r>
-              <a:rPr lang="en-US" smtClean="0"/>
+              <a:rPr lang="en-US"/>
               <a:t>Fourth level</a:t>
             </a:r>
           </a:p>
           <a:p>
             <a:pPr lvl="4"/>
             <a:r>
-              <a:rPr lang="en-US" smtClean="0"/>
+              <a:rPr lang="en-US"/>
               <a:t>Fifth level</a:t>
             </a:r>
             <a:endParaRPr lang="en-US" dirty="0"/>
@@ -3203,7 +3193,7 @@
           <a:p>
             <a:fld id="{D221FEF7-B48D-4556-A333-258536A9D94A}" type="datetimeFigureOut">
               <a:rPr lang="en-US" smtClean="0"/>
-              <a:t>5/10/2022</a:t>
+              <a:t>6/3/2022</a:t>
             </a:fld>
             <a:endParaRPr lang="en-US"/>
           </a:p>
@@ -3297,7 +3287,7 @@
           <a:lstStyle/>
           <a:p>
             <a:r>
-              <a:rPr lang="en-US" smtClean="0"/>
+              <a:rPr lang="en-US"/>
               <a:t>Click to edit Master title style</a:t>
             </a:r>
             <a:endParaRPr lang="en-US" dirty="0"/>
@@ -3321,7 +3311,7 @@
           <a:p>
             <a:fld id="{D221FEF7-B48D-4556-A333-258536A9D94A}" type="datetimeFigureOut">
               <a:rPr lang="en-US" smtClean="0"/>
-              <a:t>5/10/2022</a:t>
+              <a:t>6/3/2022</a:t>
             </a:fld>
             <a:endParaRPr lang="en-US"/>
           </a:p>
@@ -3416,7 +3406,7 @@
           <a:p>
             <a:fld id="{D221FEF7-B48D-4556-A333-258536A9D94A}" type="datetimeFigureOut">
               <a:rPr lang="en-US" smtClean="0"/>
-              <a:t>5/10/2022</a:t>
+              <a:t>6/3/2022</a:t>
             </a:fld>
             <a:endParaRPr lang="en-US"/>
           </a:p>
@@ -3519,7 +3509,7 @@
           </a:lstStyle>
           <a:p>
             <a:r>
-              <a:rPr lang="en-US" smtClean="0"/>
+              <a:rPr lang="en-US"/>
               <a:t>Click to edit Master title style</a:t>
             </a:r>
             <a:endParaRPr lang="en-US" dirty="0"/>
@@ -3576,35 +3566,35 @@
           <a:p>
             <a:pPr lvl="0"/>
             <a:r>
-              <a:rPr lang="en-US" smtClean="0"/>
+              <a:rPr lang="en-US"/>
               <a:t>Edit Master text styles</a:t>
             </a:r>
           </a:p>
           <a:p>
             <a:pPr lvl="1"/>
             <a:r>
-              <a:rPr lang="en-US" smtClean="0"/>
+              <a:rPr lang="en-US"/>
               <a:t>Second level</a:t>
             </a:r>
           </a:p>
           <a:p>
             <a:pPr lvl="2"/>
             <a:r>
-              <a:rPr lang="en-US" smtClean="0"/>
+              <a:rPr lang="en-US"/>
               <a:t>Third level</a:t>
             </a:r>
           </a:p>
           <a:p>
             <a:pPr lvl="3"/>
             <a:r>
-              <a:rPr lang="en-US" smtClean="0"/>
+              <a:rPr lang="en-US"/>
               <a:t>Fourth level</a:t>
             </a:r>
           </a:p>
           <a:p>
             <a:pPr lvl="4"/>
             <a:r>
-              <a:rPr lang="en-US" smtClean="0"/>
+              <a:rPr lang="en-US"/>
               <a:t>Fifth level</a:t>
             </a:r>
             <a:endParaRPr lang="en-US" dirty="0"/>
@@ -3670,7 +3660,7 @@
           <a:p>
             <a:pPr lvl="0"/>
             <a:r>
-              <a:rPr lang="en-US" smtClean="0"/>
+              <a:rPr lang="en-US"/>
               <a:t>Edit Master text styles</a:t>
             </a:r>
           </a:p>
@@ -3693,7 +3683,7 @@
           <a:p>
             <a:fld id="{D221FEF7-B48D-4556-A333-258536A9D94A}" type="datetimeFigureOut">
               <a:rPr lang="en-US" smtClean="0"/>
-              <a:t>5/10/2022</a:t>
+              <a:t>6/3/2022</a:t>
             </a:fld>
             <a:endParaRPr lang="en-US"/>
           </a:p>
@@ -3796,7 +3786,7 @@
           </a:lstStyle>
           <a:p>
             <a:r>
-              <a:rPr lang="en-US" smtClean="0"/>
+              <a:rPr lang="en-US"/>
               <a:t>Click to edit Master title style</a:t>
             </a:r>
             <a:endParaRPr lang="en-US" dirty="0"/>
@@ -3861,7 +3851,7 @@
           </a:lstStyle>
           <a:p>
             <a:r>
-              <a:rPr lang="en-US" smtClean="0"/>
+              <a:rPr lang="en-US"/>
               <a:t>Click icon to add picture</a:t>
             </a:r>
             <a:endParaRPr lang="en-US" dirty="0"/>
@@ -3927,7 +3917,7 @@
           <a:p>
             <a:pPr lvl="0"/>
             <a:r>
-              <a:rPr lang="en-US" smtClean="0"/>
+              <a:rPr lang="en-US"/>
               <a:t>Edit Master text styles</a:t>
             </a:r>
           </a:p>
@@ -3950,7 +3940,7 @@
           <a:p>
             <a:fld id="{D221FEF7-B48D-4556-A333-258536A9D94A}" type="datetimeFigureOut">
               <a:rPr lang="en-US" smtClean="0"/>
-              <a:t>5/10/2022</a:t>
+              <a:t>6/3/2022</a:t>
             </a:fld>
             <a:endParaRPr lang="en-US"/>
           </a:p>
@@ -4059,7 +4049,7 @@
           <a:lstStyle/>
           <a:p>
             <a:r>
-              <a:rPr lang="en-US" smtClean="0"/>
+              <a:rPr lang="en-US"/>
               <a:t>Click to edit Master title style</a:t>
             </a:r>
             <a:endParaRPr lang="en-US" dirty="0"/>
@@ -4093,35 +4083,35 @@
           <a:p>
             <a:pPr lvl="0"/>
             <a:r>
-              <a:rPr lang="en-US" smtClean="0"/>
+              <a:rPr lang="en-US"/>
               <a:t>Edit Master text styles</a:t>
             </a:r>
           </a:p>
           <a:p>
             <a:pPr lvl="1"/>
             <a:r>
-              <a:rPr lang="en-US" smtClean="0"/>
+              <a:rPr lang="en-US"/>
               <a:t>Second level</a:t>
             </a:r>
           </a:p>
           <a:p>
             <a:pPr lvl="2"/>
             <a:r>
-              <a:rPr lang="en-US" smtClean="0"/>
+              <a:rPr lang="en-US"/>
               <a:t>Third level</a:t>
             </a:r>
           </a:p>
           <a:p>
             <a:pPr lvl="3"/>
             <a:r>
-              <a:rPr lang="en-US" smtClean="0"/>
+              <a:rPr lang="en-US"/>
               <a:t>Fourth level</a:t>
             </a:r>
           </a:p>
           <a:p>
             <a:pPr lvl="4"/>
             <a:r>
-              <a:rPr lang="en-US" smtClean="0"/>
+              <a:rPr lang="en-US"/>
               <a:t>Fifth level</a:t>
             </a:r>
             <a:endParaRPr lang="en-US" dirty="0"/>
@@ -4163,7 +4153,7 @@
           <a:p>
             <a:fld id="{D221FEF7-B48D-4556-A333-258536A9D94A}" type="datetimeFigureOut">
               <a:rPr lang="en-US" smtClean="0"/>
-              <a:t>5/10/2022</a:t>
+              <a:t>6/3/2022</a:t>
             </a:fld>
             <a:endParaRPr lang="en-US"/>
           </a:p>
@@ -4581,7 +4571,7 @@
           <p:nvPr>
             <p:extLst>
               <p:ext uri="{D42A27DB-BD31-4B8C-83A1-F6EECF244321}">
-                <p14:modId xmlns:p14="http://schemas.microsoft.com/office/powerpoint/2010/main" val="3396675656"/>
+                <p14:modId xmlns:p14="http://schemas.microsoft.com/office/powerpoint/2010/main" val="195987077"/>
               </p:ext>
             </p:extLst>
           </p:nvPr>
@@ -4605,7 +4595,7 @@
           <p:nvPr>
             <p:extLst>
               <p:ext uri="{D42A27DB-BD31-4B8C-83A1-F6EECF244321}">
-                <p14:modId xmlns:p14="http://schemas.microsoft.com/office/powerpoint/2010/main" val="3885133166"/>
+                <p14:modId xmlns:p14="http://schemas.microsoft.com/office/powerpoint/2010/main" val="2964366408"/>
               </p:ext>
             </p:extLst>
           </p:nvPr>
@@ -4699,7 +4689,7 @@
                     <a:lstStyle/>
                     <a:p>
                       <a:r>
-                        <a:rPr lang="en-US" sz="1600" b="0" dirty="0" smtClean="0">
+                        <a:rPr lang="en-US" sz="1600" b="0" dirty="0">
                           <a:solidFill>
                             <a:schemeClr val="tx1"/>
                           </a:solidFill>
@@ -4708,13 +4698,6 @@
                         </a:rPr>
                         <a:t>2013</a:t>
                       </a:r>
-                      <a:endParaRPr lang="en-US" sz="1600" b="0" dirty="0">
-                        <a:solidFill>
-                          <a:schemeClr val="tx1"/>
-                        </a:solidFill>
-                        <a:latin typeface="Arial" panose="020B0604020202020204" pitchFamily="34" charset="0"/>
-                        <a:cs typeface="Arial" panose="020B0604020202020204" pitchFamily="34" charset="0"/>
-                      </a:endParaRPr>
                     </a:p>
                   </a:txBody>
                   <a:tcPr>
@@ -4727,7 +4710,7 @@
                     <a:lstStyle/>
                     <a:p>
                       <a:r>
-                        <a:rPr lang="en-US" sz="1600" b="0" dirty="0" smtClean="0">
+                        <a:rPr lang="en-US" sz="1600" b="0" dirty="0">
                           <a:solidFill>
                             <a:schemeClr val="tx1"/>
                           </a:solidFill>
@@ -4736,13 +4719,6 @@
                         </a:rPr>
                         <a:t>2014</a:t>
                       </a:r>
-                      <a:endParaRPr lang="en-US" sz="1600" b="0" dirty="0">
-                        <a:solidFill>
-                          <a:schemeClr val="tx1"/>
-                        </a:solidFill>
-                        <a:latin typeface="Arial" panose="020B0604020202020204" pitchFamily="34" charset="0"/>
-                        <a:cs typeface="Arial" panose="020B0604020202020204" pitchFamily="34" charset="0"/>
-                      </a:endParaRPr>
                     </a:p>
                   </a:txBody>
                   <a:tcPr>
@@ -4755,7 +4731,7 @@
                     <a:lstStyle/>
                     <a:p>
                       <a:r>
-                        <a:rPr lang="en-US" sz="1600" b="0" dirty="0" smtClean="0">
+                        <a:rPr lang="en-US" sz="1600" b="0" dirty="0">
                           <a:solidFill>
                             <a:schemeClr val="tx1"/>
                           </a:solidFill>
@@ -4764,13 +4740,6 @@
                         </a:rPr>
                         <a:t>2015</a:t>
                       </a:r>
-                      <a:endParaRPr lang="en-US" sz="1600" b="0" dirty="0">
-                        <a:solidFill>
-                          <a:schemeClr val="tx1"/>
-                        </a:solidFill>
-                        <a:latin typeface="Arial" panose="020B0604020202020204" pitchFamily="34" charset="0"/>
-                        <a:cs typeface="Arial" panose="020B0604020202020204" pitchFamily="34" charset="0"/>
-                      </a:endParaRPr>
                     </a:p>
                   </a:txBody>
                   <a:tcPr>
@@ -4783,7 +4752,7 @@
                     <a:lstStyle/>
                     <a:p>
                       <a:r>
-                        <a:rPr lang="en-US" sz="1600" b="0" dirty="0" smtClean="0">
+                        <a:rPr lang="en-US" sz="1600" b="0" dirty="0">
                           <a:solidFill>
                             <a:schemeClr val="tx1"/>
                           </a:solidFill>
@@ -4792,13 +4761,6 @@
                         </a:rPr>
                         <a:t>2016</a:t>
                       </a:r>
-                      <a:endParaRPr lang="en-US" sz="1600" b="0" dirty="0">
-                        <a:solidFill>
-                          <a:schemeClr val="tx1"/>
-                        </a:solidFill>
-                        <a:latin typeface="Arial" panose="020B0604020202020204" pitchFamily="34" charset="0"/>
-                        <a:cs typeface="Arial" panose="020B0604020202020204" pitchFamily="34" charset="0"/>
-                      </a:endParaRPr>
                     </a:p>
                   </a:txBody>
                   <a:tcPr>
@@ -4811,7 +4773,7 @@
                     <a:lstStyle/>
                     <a:p>
                       <a:r>
-                        <a:rPr lang="en-US" sz="1600" b="0" dirty="0" smtClean="0">
+                        <a:rPr lang="en-US" sz="1600" b="0" dirty="0">
                           <a:solidFill>
                             <a:schemeClr val="tx1"/>
                           </a:solidFill>
@@ -4820,13 +4782,6 @@
                         </a:rPr>
                         <a:t>2017</a:t>
                       </a:r>
-                      <a:endParaRPr lang="en-US" sz="1600" b="0" dirty="0">
-                        <a:solidFill>
-                          <a:schemeClr val="tx1"/>
-                        </a:solidFill>
-                        <a:latin typeface="Arial" panose="020B0604020202020204" pitchFamily="34" charset="0"/>
-                        <a:cs typeface="Arial" panose="020B0604020202020204" pitchFamily="34" charset="0"/>
-                      </a:endParaRPr>
                     </a:p>
                   </a:txBody>
                   <a:tcPr>
@@ -4839,7 +4794,7 @@
                     <a:lstStyle/>
                     <a:p>
                       <a:r>
-                        <a:rPr lang="en-US" sz="1600" b="0" dirty="0" smtClean="0">
+                        <a:rPr lang="en-US" sz="1600" b="0" dirty="0">
                           <a:solidFill>
                             <a:schemeClr val="tx1"/>
                           </a:solidFill>
@@ -4848,13 +4803,6 @@
                         </a:rPr>
                         <a:t>2018</a:t>
                       </a:r>
-                      <a:endParaRPr lang="en-US" sz="1600" b="0" dirty="0">
-                        <a:solidFill>
-                          <a:schemeClr val="tx1"/>
-                        </a:solidFill>
-                        <a:latin typeface="Arial" panose="020B0604020202020204" pitchFamily="34" charset="0"/>
-                        <a:cs typeface="Arial" panose="020B0604020202020204" pitchFamily="34" charset="0"/>
-                      </a:endParaRPr>
                     </a:p>
                   </a:txBody>
                   <a:tcPr>
@@ -4867,7 +4815,7 @@
                     <a:lstStyle/>
                     <a:p>
                       <a:r>
-                        <a:rPr lang="en-US" sz="1600" b="0" dirty="0" smtClean="0">
+                        <a:rPr lang="en-US" sz="1600" b="0" dirty="0">
                           <a:solidFill>
                             <a:schemeClr val="tx1"/>
                           </a:solidFill>
@@ -4876,13 +4824,6 @@
                         </a:rPr>
                         <a:t>2019</a:t>
                       </a:r>
-                      <a:endParaRPr lang="en-US" sz="1600" b="0" dirty="0">
-                        <a:solidFill>
-                          <a:schemeClr val="tx1"/>
-                        </a:solidFill>
-                        <a:latin typeface="Arial" panose="020B0604020202020204" pitchFamily="34" charset="0"/>
-                        <a:cs typeface="Arial" panose="020B0604020202020204" pitchFamily="34" charset="0"/>
-                      </a:endParaRPr>
                     </a:p>
                   </a:txBody>
                   <a:tcPr>
@@ -4895,7 +4836,7 @@
                     <a:lstStyle/>
                     <a:p>
                       <a:r>
-                        <a:rPr lang="en-US" sz="1600" b="0" dirty="0" smtClean="0">
+                        <a:rPr lang="en-US" sz="1600" b="0" dirty="0">
                           <a:solidFill>
                             <a:schemeClr val="tx1"/>
                           </a:solidFill>
@@ -4904,13 +4845,6 @@
                         </a:rPr>
                         <a:t>2020</a:t>
                       </a:r>
-                      <a:endParaRPr lang="en-US" sz="1600" b="0" dirty="0">
-                        <a:solidFill>
-                          <a:schemeClr val="tx1"/>
-                        </a:solidFill>
-                        <a:latin typeface="Arial" panose="020B0604020202020204" pitchFamily="34" charset="0"/>
-                        <a:cs typeface="Arial" panose="020B0604020202020204" pitchFamily="34" charset="0"/>
-                      </a:endParaRPr>
                     </a:p>
                   </a:txBody>
                   <a:tcPr>
@@ -4923,7 +4857,7 @@
                     <a:lstStyle/>
                     <a:p>
                       <a:r>
-                        <a:rPr lang="en-US" sz="1600" b="0" dirty="0" smtClean="0">
+                        <a:rPr lang="en-US" sz="1600" b="0" dirty="0">
                           <a:solidFill>
                             <a:schemeClr val="tx1"/>
                           </a:solidFill>
@@ -4932,13 +4866,6 @@
                         </a:rPr>
                         <a:t>2021</a:t>
                       </a:r>
-                      <a:endParaRPr lang="en-US" sz="1600" b="0" dirty="0">
-                        <a:solidFill>
-                          <a:schemeClr val="tx1"/>
-                        </a:solidFill>
-                        <a:latin typeface="Arial" panose="020B0604020202020204" pitchFamily="34" charset="0"/>
-                        <a:cs typeface="Arial" panose="020B0604020202020204" pitchFamily="34" charset="0"/>
-                      </a:endParaRPr>
                     </a:p>
                   </a:txBody>
                   <a:tcPr>
@@ -4951,7 +4878,7 @@
                     <a:lstStyle/>
                     <a:p>
                       <a:r>
-                        <a:rPr lang="en-US" sz="1600" b="0" dirty="0" smtClean="0">
+                        <a:rPr lang="en-US" sz="1600" b="0" dirty="0">
                           <a:solidFill>
                             <a:schemeClr val="tx1"/>
                           </a:solidFill>
@@ -4960,13 +4887,6 @@
                         </a:rPr>
                         <a:t>2022</a:t>
                       </a:r>
-                      <a:endParaRPr lang="en-US" sz="1600" b="0" dirty="0">
-                        <a:solidFill>
-                          <a:schemeClr val="tx1"/>
-                        </a:solidFill>
-                        <a:latin typeface="Arial" panose="020B0604020202020204" pitchFamily="34" charset="0"/>
-                        <a:cs typeface="Arial" panose="020B0604020202020204" pitchFamily="34" charset="0"/>
-                      </a:endParaRPr>
                     </a:p>
                   </a:txBody>
                   <a:tcPr>
@@ -5006,16 +4926,12 @@
           <a:lstStyle/>
           <a:p>
             <a:r>
-              <a:rPr lang="en-US" sz="1600" dirty="0" smtClean="0">
+              <a:rPr lang="en-US" sz="1600" dirty="0">
                 <a:latin typeface="Arial" panose="020B0604020202020204" pitchFamily="34" charset="0"/>
                 <a:cs typeface="Arial" panose="020B0604020202020204" pitchFamily="34" charset="0"/>
               </a:rPr>
               <a:t>*30+ Total HARP analysts through 2022</a:t>
             </a:r>
-            <a:endParaRPr lang="en-US" sz="1600" dirty="0">
-              <a:latin typeface="Arial" panose="020B0604020202020204" pitchFamily="34" charset="0"/>
-              <a:cs typeface="Arial" panose="020B0604020202020204" pitchFamily="34" charset="0"/>
-            </a:endParaRPr>
           </a:p>
         </p:txBody>
       </p:sp>

--- a/HARP-Onboarding/HARP_Timeline.pptx
+++ b/HARP-Onboarding/HARP_Timeline.pptx
@@ -5,7 +5,7 @@
     <p:sldMasterId id="2147483696" r:id="rId1"/>
   </p:sldMasterIdLst>
   <p:sldIdLst>
-    <p:sldId id="268" r:id="rId2"/>
+    <p:sldId id="269" r:id="rId2"/>
   </p:sldIdLst>
   <p:sldSz cx="12192000" cy="13716000"/>
   <p:notesSz cx="6858000" cy="9144000"/>
@@ -215,7 +215,7 @@
           <c:yMode val="edge"/>
           <c:x val="0.43397274921166973"/>
           <c:y val="8.4267146585140576E-2"/>
-          <c:w val="0.53076664607984236"/>
+          <c:w val="0.55394890983887635"/>
           <c:h val="0.87387863170965119"/>
         </c:manualLayout>
       </c:layout>
@@ -247,9 +247,9 @@
           <c:invertIfNegative val="0"/>
           <c:cat>
             <c:strRef>
-              <c:f>Sheet1!$B$2:$B$24</c:f>
+              <c:f>Sheet1!$B$2:$B$25</c:f>
               <c:strCache>
-                <c:ptCount val="23"/>
+                <c:ptCount val="24"/>
                 <c:pt idx="0">
                   <c:v>HARP Conception</c:v>
                 </c:pt>
@@ -308,12 +308,15 @@
                   <c:v>Model Period Synthesis (Drought Forecasting)</c:v>
                 </c:pt>
                 <c:pt idx="19">
-                  <c:v>Water Supply Operations Model - Python (Tentative)</c:v>
-                </c:pt>
-                <c:pt idx="21">
+                  <c:v>VAHydro Model 3.0 (HSP2) - Operational Model in Python </c:v>
+                </c:pt>
+                <c:pt idx="20">
+                  <c:v>Water Supply Planning Tools for Local Governments</c:v>
+                </c:pt>
+                <c:pt idx="22">
                   <c:v>WUDR (Consumptive Use Data Transfer, Export, and Analysis)</c:v>
                 </c:pt>
-                <c:pt idx="22">
+                <c:pt idx="23">
                   <c:v>WUDR (Quantifying Unreported Water Use for Crop Irrigation)  </c:v>
                 </c:pt>
               </c:strCache>
@@ -321,10 +324,10 @@
           </c:cat>
           <c:val>
             <c:numRef>
-              <c:f>Sheet1!$C$2:$C$24</c:f>
+              <c:f>Sheet1!$C$2:$C$25</c:f>
               <c:numCache>
                 <c:formatCode>m/d/yy;@</c:formatCode>
-                <c:ptCount val="23"/>
+                <c:ptCount val="24"/>
                 <c:pt idx="0">
                   <c:v>41275</c:v>
                 </c:pt>
@@ -385,10 +388,13 @@
                 <c:pt idx="19">
                   <c:v>44718</c:v>
                 </c:pt>
-                <c:pt idx="21">
+                <c:pt idx="20">
+                  <c:v>45061</c:v>
+                </c:pt>
+                <c:pt idx="22">
                   <c:v>42948</c:v>
                 </c:pt>
-                <c:pt idx="22">
+                <c:pt idx="23">
                   <c:v>44075</c:v>
                 </c:pt>
               </c:numCache>
@@ -577,28 +583,6 @@
             </c:extLst>
           </c:dPt>
           <c:dPt>
-            <c:idx val="21"/>
-            <c:invertIfNegative val="0"/>
-            <c:bubble3D val="0"/>
-            <c:spPr>
-              <a:solidFill>
-                <a:schemeClr val="accent2">
-                  <a:lumMod val="40000"/>
-                  <a:lumOff val="60000"/>
-                </a:schemeClr>
-              </a:solidFill>
-              <a:ln>
-                <a:noFill/>
-              </a:ln>
-              <a:effectLst/>
-            </c:spPr>
-            <c:extLst>
-              <c:ext xmlns:c16="http://schemas.microsoft.com/office/drawing/2014/chart" uri="{C3380CC4-5D6E-409C-BE32-E72D297353CC}">
-                <c16:uniqueId val="{00000001-A394-4DE1-AD32-157694A9252E}"/>
-              </c:ext>
-            </c:extLst>
-          </c:dPt>
-          <c:dPt>
             <c:idx val="22"/>
             <c:invertIfNegative val="0"/>
             <c:bubble3D val="0"/>
@@ -620,11 +604,28 @@
               </c:ext>
             </c:extLst>
           </c:dPt>
+          <c:dPt>
+            <c:idx val="23"/>
+            <c:invertIfNegative val="0"/>
+            <c:bubble3D val="0"/>
+            <c:spPr>
+              <a:solidFill>
+                <a:schemeClr val="accent2">
+                  <a:lumMod val="40000"/>
+                  <a:lumOff val="60000"/>
+                </a:schemeClr>
+              </a:solidFill>
+              <a:ln>
+                <a:noFill/>
+              </a:ln>
+              <a:effectLst/>
+            </c:spPr>
+          </c:dPt>
           <c:cat>
             <c:strRef>
-              <c:f>Sheet1!$B$2:$B$24</c:f>
+              <c:f>Sheet1!$B$2:$B$25</c:f>
               <c:strCache>
-                <c:ptCount val="23"/>
+                <c:ptCount val="24"/>
                 <c:pt idx="0">
                   <c:v>HARP Conception</c:v>
                 </c:pt>
@@ -683,12 +684,15 @@
                   <c:v>Model Period Synthesis (Drought Forecasting)</c:v>
                 </c:pt>
                 <c:pt idx="19">
-                  <c:v>Water Supply Operations Model - Python (Tentative)</c:v>
-                </c:pt>
-                <c:pt idx="21">
+                  <c:v>VAHydro Model 3.0 (HSP2) - Operational Model in Python </c:v>
+                </c:pt>
+                <c:pt idx="20">
+                  <c:v>Water Supply Planning Tools for Local Governments</c:v>
+                </c:pt>
+                <c:pt idx="22">
                   <c:v>WUDR (Consumptive Use Data Transfer, Export, and Analysis)</c:v>
                 </c:pt>
-                <c:pt idx="22">
+                <c:pt idx="23">
                   <c:v>WUDR (Quantifying Unreported Water Use for Crop Irrigation)  </c:v>
                 </c:pt>
               </c:strCache>
@@ -696,10 +700,10 @@
           </c:cat>
           <c:val>
             <c:numRef>
-              <c:f>Sheet1!$E$2:$E$24</c:f>
+              <c:f>Sheet1!$E$2:$E$25</c:f>
               <c:numCache>
                 <c:formatCode>General</c:formatCode>
-                <c:ptCount val="23"/>
+                <c:ptCount val="24"/>
                 <c:pt idx="0">
                   <c:v>90</c:v>
                 </c:pt>
@@ -758,12 +762,15 @@
                   <c:v>151</c:v>
                 </c:pt>
                 <c:pt idx="19">
-                  <c:v>77</c:v>
-                </c:pt>
-                <c:pt idx="21">
+                  <c:v>342</c:v>
+                </c:pt>
+                <c:pt idx="20">
+                  <c:v>100</c:v>
+                </c:pt>
+                <c:pt idx="22">
                   <c:v>729</c:v>
                 </c:pt>
-                <c:pt idx="22">
+                <c:pt idx="23">
                   <c:v>729</c:v>
                 </c:pt>
               </c:numCache>
@@ -825,12 +832,12 @@
                     <c:extLst>
                       <c:ext uri="{02D57815-91ED-43cb-92C2-25804820EDAC}">
                         <c15:formulaRef>
-                          <c15:sqref>Sheet1!$B$2:$B$24</c15:sqref>
+                          <c15:sqref>Sheet1!$B$2:$B$25</c15:sqref>
                         </c15:formulaRef>
                       </c:ext>
                     </c:extLst>
                     <c:strCache>
-                      <c:ptCount val="23"/>
+                      <c:ptCount val="24"/>
                       <c:pt idx="0">
                         <c:v>HARP Conception</c:v>
                       </c:pt>
@@ -889,12 +896,15 @@
                         <c:v>Model Period Synthesis (Drought Forecasting)</c:v>
                       </c:pt>
                       <c:pt idx="19">
-                        <c:v>Water Supply Operations Model - Python (Tentative)</c:v>
+                        <c:v>VAHydro Model 3.0 (HSP2) - Operational Model in Python </c:v>
                       </c:pt>
-                      <c:pt idx="21">
+                      <c:pt idx="20">
+                        <c:v>Water Supply Planning Tools for Local Governments</c:v>
+                      </c:pt>
+                      <c:pt idx="22">
                         <c:v>WUDR (Consumptive Use Data Transfer, Export, and Analysis)</c:v>
                       </c:pt>
-                      <c:pt idx="22">
+                      <c:pt idx="23">
                         <c:v>WUDR (Quantifying Unreported Water Use for Crop Irrigation)  </c:v>
                       </c:pt>
                     </c:strCache>
@@ -905,13 +915,13 @@
                     <c:extLst>
                       <c:ext uri="{02D57815-91ED-43cb-92C2-25804820EDAC}">
                         <c15:formulaRef>
-                          <c15:sqref>Sheet1!$D$2:$D$24</c15:sqref>
+                          <c15:sqref>Sheet1!$D$2:$D$25</c15:sqref>
                         </c15:formulaRef>
                       </c:ext>
                     </c:extLst>
                     <c:numCache>
                       <c:formatCode>m/d/yy;@</c:formatCode>
-                      <c:ptCount val="23"/>
+                      <c:ptCount val="24"/>
                       <c:pt idx="0">
                         <c:v>41364</c:v>
                       </c:pt>
@@ -970,12 +980,15 @@
                         <c:v>44713</c:v>
                       </c:pt>
                       <c:pt idx="19">
-                        <c:v>44795</c:v>
+                        <c:v>45060</c:v>
                       </c:pt>
-                      <c:pt idx="21">
+                      <c:pt idx="20">
+                        <c:v>45161</c:v>
+                      </c:pt>
+                      <c:pt idx="22">
                         <c:v>43677</c:v>
                       </c:pt>
-                      <c:pt idx="22">
+                      <c:pt idx="23">
                         <c:v>44804</c:v>
                       </c:pt>
                     </c:numCache>
@@ -1043,7 +1056,6 @@
         <c:axId val="726352832"/>
         <c:scaling>
           <c:orientation val="minMax"/>
-          <c:max val="44920"/>
           <c:min val="41270"/>
         </c:scaling>
         <c:delete val="0"/>
@@ -1830,7 +1842,7 @@
           <a:p>
             <a:fld id="{D221FEF7-B48D-4556-A333-258536A9D94A}" type="datetimeFigureOut">
               <a:rPr lang="en-US" smtClean="0"/>
-              <a:t>6/3/2022</a:t>
+              <a:t>5/15/2023</a:t>
             </a:fld>
             <a:endParaRPr lang="en-US"/>
           </a:p>
@@ -2000,7 +2012,7 @@
           <a:p>
             <a:fld id="{D221FEF7-B48D-4556-A333-258536A9D94A}" type="datetimeFigureOut">
               <a:rPr lang="en-US" smtClean="0"/>
-              <a:t>6/3/2022</a:t>
+              <a:t>5/15/2023</a:t>
             </a:fld>
             <a:endParaRPr lang="en-US"/>
           </a:p>
@@ -2180,7 +2192,7 @@
           <a:p>
             <a:fld id="{D221FEF7-B48D-4556-A333-258536A9D94A}" type="datetimeFigureOut">
               <a:rPr lang="en-US" smtClean="0"/>
-              <a:t>6/3/2022</a:t>
+              <a:t>5/15/2023</a:t>
             </a:fld>
             <a:endParaRPr lang="en-US"/>
           </a:p>
@@ -2350,7 +2362,7 @@
           <a:p>
             <a:fld id="{D221FEF7-B48D-4556-A333-258536A9D94A}" type="datetimeFigureOut">
               <a:rPr lang="en-US" smtClean="0"/>
-              <a:t>6/3/2022</a:t>
+              <a:t>5/15/2023</a:t>
             </a:fld>
             <a:endParaRPr lang="en-US"/>
           </a:p>
@@ -2594,7 +2606,7 @@
           <a:p>
             <a:fld id="{D221FEF7-B48D-4556-A333-258536A9D94A}" type="datetimeFigureOut">
               <a:rPr lang="en-US" smtClean="0"/>
-              <a:t>6/3/2022</a:t>
+              <a:t>5/15/2023</a:t>
             </a:fld>
             <a:endParaRPr lang="en-US"/>
           </a:p>
@@ -2826,7 +2838,7 @@
           <a:p>
             <a:fld id="{D221FEF7-B48D-4556-A333-258536A9D94A}" type="datetimeFigureOut">
               <a:rPr lang="en-US" smtClean="0"/>
-              <a:t>6/3/2022</a:t>
+              <a:t>5/15/2023</a:t>
             </a:fld>
             <a:endParaRPr lang="en-US"/>
           </a:p>
@@ -3193,7 +3205,7 @@
           <a:p>
             <a:fld id="{D221FEF7-B48D-4556-A333-258536A9D94A}" type="datetimeFigureOut">
               <a:rPr lang="en-US" smtClean="0"/>
-              <a:t>6/3/2022</a:t>
+              <a:t>5/15/2023</a:t>
             </a:fld>
             <a:endParaRPr lang="en-US"/>
           </a:p>
@@ -3311,7 +3323,7 @@
           <a:p>
             <a:fld id="{D221FEF7-B48D-4556-A333-258536A9D94A}" type="datetimeFigureOut">
               <a:rPr lang="en-US" smtClean="0"/>
-              <a:t>6/3/2022</a:t>
+              <a:t>5/15/2023</a:t>
             </a:fld>
             <a:endParaRPr lang="en-US"/>
           </a:p>
@@ -3406,7 +3418,7 @@
           <a:p>
             <a:fld id="{D221FEF7-B48D-4556-A333-258536A9D94A}" type="datetimeFigureOut">
               <a:rPr lang="en-US" smtClean="0"/>
-              <a:t>6/3/2022</a:t>
+              <a:t>5/15/2023</a:t>
             </a:fld>
             <a:endParaRPr lang="en-US"/>
           </a:p>
@@ -3683,7 +3695,7 @@
           <a:p>
             <a:fld id="{D221FEF7-B48D-4556-A333-258536A9D94A}" type="datetimeFigureOut">
               <a:rPr lang="en-US" smtClean="0"/>
-              <a:t>6/3/2022</a:t>
+              <a:t>5/15/2023</a:t>
             </a:fld>
             <a:endParaRPr lang="en-US"/>
           </a:p>
@@ -3940,7 +3952,7 @@
           <a:p>
             <a:fld id="{D221FEF7-B48D-4556-A333-258536A9D94A}" type="datetimeFigureOut">
               <a:rPr lang="en-US" smtClean="0"/>
-              <a:t>6/3/2022</a:t>
+              <a:t>5/15/2023</a:t>
             </a:fld>
             <a:endParaRPr lang="en-US"/>
           </a:p>
@@ -4153,7 +4165,7 @@
           <a:p>
             <a:fld id="{D221FEF7-B48D-4556-A333-258536A9D94A}" type="datetimeFigureOut">
               <a:rPr lang="en-US" smtClean="0"/>
-              <a:t>6/3/2022</a:t>
+              <a:t>5/15/2023</a:t>
             </a:fld>
             <a:endParaRPr lang="en-US"/>
           </a:p>
@@ -4571,7 +4583,7 @@
           <p:nvPr>
             <p:extLst>
               <p:ext uri="{D42A27DB-BD31-4B8C-83A1-F6EECF244321}">
-                <p14:modId xmlns:p14="http://schemas.microsoft.com/office/powerpoint/2010/main" val="195987077"/>
+                <p14:modId xmlns:p14="http://schemas.microsoft.com/office/powerpoint/2010/main" val="317448969"/>
               </p:ext>
             </p:extLst>
           </p:nvPr>
@@ -4595,14 +4607,14 @@
           <p:nvPr>
             <p:extLst>
               <p:ext uri="{D42A27DB-BD31-4B8C-83A1-F6EECF244321}">
-                <p14:modId xmlns:p14="http://schemas.microsoft.com/office/powerpoint/2010/main" val="2964366408"/>
+                <p14:modId xmlns:p14="http://schemas.microsoft.com/office/powerpoint/2010/main" val="1649067287"/>
               </p:ext>
             </p:extLst>
           </p:nvPr>
         </p:nvGraphicFramePr>
         <p:xfrm>
-          <a:off x="5363310" y="13014702"/>
-          <a:ext cx="6400800" cy="370840"/>
+          <a:off x="5348377" y="12980197"/>
+          <a:ext cx="6703932" cy="370840"/>
         </p:xfrm>
         <a:graphic>
           <a:graphicData uri="http://schemas.openxmlformats.org/drawingml/2006/table">
@@ -4611,73 +4623,87 @@
                 <a:tableStyleId>{5C22544A-7EE6-4342-B048-85BDC9FD1C3A}</a:tableStyleId>
               </a:tblPr>
               <a:tblGrid>
-                <a:gridCol w="640080">
+                <a:gridCol w="558661">
                   <a:extLst>
                     <a:ext uri="{9D8B030D-6E8A-4147-A177-3AD203B41FA5}">
                       <a16:colId xmlns:a16="http://schemas.microsoft.com/office/drawing/2014/main" val="3270616706"/>
                     </a:ext>
                   </a:extLst>
                 </a:gridCol>
-                <a:gridCol w="640080">
+                <a:gridCol w="558661">
                   <a:extLst>
                     <a:ext uri="{9D8B030D-6E8A-4147-A177-3AD203B41FA5}">
                       <a16:colId xmlns:a16="http://schemas.microsoft.com/office/drawing/2014/main" val="2367470675"/>
                     </a:ext>
                   </a:extLst>
                 </a:gridCol>
-                <a:gridCol w="640080">
+                <a:gridCol w="558661">
                   <a:extLst>
                     <a:ext uri="{9D8B030D-6E8A-4147-A177-3AD203B41FA5}">
                       <a16:colId xmlns:a16="http://schemas.microsoft.com/office/drawing/2014/main" val="378166885"/>
                     </a:ext>
                   </a:extLst>
                 </a:gridCol>
-                <a:gridCol w="640080">
+                <a:gridCol w="558661">
                   <a:extLst>
                     <a:ext uri="{9D8B030D-6E8A-4147-A177-3AD203B41FA5}">
                       <a16:colId xmlns:a16="http://schemas.microsoft.com/office/drawing/2014/main" val="292921580"/>
                     </a:ext>
                   </a:extLst>
                 </a:gridCol>
-                <a:gridCol w="640080">
+                <a:gridCol w="558661">
                   <a:extLst>
                     <a:ext uri="{9D8B030D-6E8A-4147-A177-3AD203B41FA5}">
                       <a16:colId xmlns:a16="http://schemas.microsoft.com/office/drawing/2014/main" val="2012000667"/>
                     </a:ext>
                   </a:extLst>
                 </a:gridCol>
-                <a:gridCol w="640080">
+                <a:gridCol w="558661">
                   <a:extLst>
                     <a:ext uri="{9D8B030D-6E8A-4147-A177-3AD203B41FA5}">
                       <a16:colId xmlns:a16="http://schemas.microsoft.com/office/drawing/2014/main" val="28157963"/>
                     </a:ext>
                   </a:extLst>
                 </a:gridCol>
-                <a:gridCol w="640080">
+                <a:gridCol w="558661">
                   <a:extLst>
                     <a:ext uri="{9D8B030D-6E8A-4147-A177-3AD203B41FA5}">
                       <a16:colId xmlns:a16="http://schemas.microsoft.com/office/drawing/2014/main" val="3822475548"/>
                     </a:ext>
                   </a:extLst>
                 </a:gridCol>
-                <a:gridCol w="640080">
+                <a:gridCol w="558661">
                   <a:extLst>
                     <a:ext uri="{9D8B030D-6E8A-4147-A177-3AD203B41FA5}">
                       <a16:colId xmlns:a16="http://schemas.microsoft.com/office/drawing/2014/main" val="3260906801"/>
                     </a:ext>
                   </a:extLst>
                 </a:gridCol>
-                <a:gridCol w="640080">
+                <a:gridCol w="558661">
                   <a:extLst>
                     <a:ext uri="{9D8B030D-6E8A-4147-A177-3AD203B41FA5}">
                       <a16:colId xmlns:a16="http://schemas.microsoft.com/office/drawing/2014/main" val="4170611317"/>
                     </a:ext>
                   </a:extLst>
                 </a:gridCol>
-                <a:gridCol w="640080">
+                <a:gridCol w="558661">
                   <a:extLst>
                     <a:ext uri="{9D8B030D-6E8A-4147-A177-3AD203B41FA5}">
                       <a16:colId xmlns:a16="http://schemas.microsoft.com/office/drawing/2014/main" val="2755681698"/>
+                    </a:ext>
+                  </a:extLst>
+                </a:gridCol>
+                <a:gridCol w="558661">
+                  <a:extLst>
+                    <a:ext uri="{9D8B030D-6E8A-4147-A177-3AD203B41FA5}">
+                      <a16:colId xmlns:a16="http://schemas.microsoft.com/office/drawing/2014/main" val="1841187129"/>
+                    </a:ext>
+                  </a:extLst>
+                </a:gridCol>
+                <a:gridCol w="558661">
+                  <a:extLst>
+                    <a:ext uri="{9D8B030D-6E8A-4147-A177-3AD203B41FA5}">
+                      <a16:colId xmlns:a16="http://schemas.microsoft.com/office/drawing/2014/main" val="3773936116"/>
                     </a:ext>
                   </a:extLst>
                 </a:gridCol>
@@ -4689,7 +4715,7 @@
                     <a:lstStyle/>
                     <a:p>
                       <a:r>
-                        <a:rPr lang="en-US" sz="1600" b="0" dirty="0">
+                        <a:rPr lang="en-US" sz="1500" b="0" spc="-150" dirty="0">
                           <a:solidFill>
                             <a:schemeClr val="tx1"/>
                           </a:solidFill>
@@ -4710,7 +4736,7 @@
                     <a:lstStyle/>
                     <a:p>
                       <a:r>
-                        <a:rPr lang="en-US" sz="1600" b="0" dirty="0">
+                        <a:rPr lang="en-US" sz="1500" b="0" spc="-150" dirty="0">
                           <a:solidFill>
                             <a:schemeClr val="tx1"/>
                           </a:solidFill>
@@ -4731,7 +4757,7 @@
                     <a:lstStyle/>
                     <a:p>
                       <a:r>
-                        <a:rPr lang="en-US" sz="1600" b="0" dirty="0">
+                        <a:rPr lang="en-US" sz="1500" b="0" spc="-150" dirty="0">
                           <a:solidFill>
                             <a:schemeClr val="tx1"/>
                           </a:solidFill>
@@ -4752,7 +4778,7 @@
                     <a:lstStyle/>
                     <a:p>
                       <a:r>
-                        <a:rPr lang="en-US" sz="1600" b="0" dirty="0">
+                        <a:rPr lang="en-US" sz="1500" b="0" spc="-150" dirty="0">
                           <a:solidFill>
                             <a:schemeClr val="tx1"/>
                           </a:solidFill>
@@ -4773,7 +4799,7 @@
                     <a:lstStyle/>
                     <a:p>
                       <a:r>
-                        <a:rPr lang="en-US" sz="1600" b="0" dirty="0">
+                        <a:rPr lang="en-US" sz="1500" b="0" spc="-150" dirty="0">
                           <a:solidFill>
                             <a:schemeClr val="tx1"/>
                           </a:solidFill>
@@ -4794,7 +4820,7 @@
                     <a:lstStyle/>
                     <a:p>
                       <a:r>
-                        <a:rPr lang="en-US" sz="1600" b="0" dirty="0">
+                        <a:rPr lang="en-US" sz="1500" b="0" spc="-150" dirty="0">
                           <a:solidFill>
                             <a:schemeClr val="tx1"/>
                           </a:solidFill>
@@ -4815,7 +4841,7 @@
                     <a:lstStyle/>
                     <a:p>
                       <a:r>
-                        <a:rPr lang="en-US" sz="1600" b="0" dirty="0">
+                        <a:rPr lang="en-US" sz="1500" b="0" spc="-150" dirty="0">
                           <a:solidFill>
                             <a:schemeClr val="tx1"/>
                           </a:solidFill>
@@ -4836,7 +4862,7 @@
                     <a:lstStyle/>
                     <a:p>
                       <a:r>
-                        <a:rPr lang="en-US" sz="1600" b="0" dirty="0">
+                        <a:rPr lang="en-US" sz="1500" b="0" spc="-150" dirty="0">
                           <a:solidFill>
                             <a:schemeClr val="tx1"/>
                           </a:solidFill>
@@ -4857,7 +4883,7 @@
                     <a:lstStyle/>
                     <a:p>
                       <a:r>
-                        <a:rPr lang="en-US" sz="1600" b="0" dirty="0">
+                        <a:rPr lang="en-US" sz="1500" b="0" spc="-150" dirty="0">
                           <a:solidFill>
                             <a:schemeClr val="tx1"/>
                           </a:solidFill>
@@ -4878,7 +4904,7 @@
                     <a:lstStyle/>
                     <a:p>
                       <a:r>
-                        <a:rPr lang="en-US" sz="1600" b="0" dirty="0">
+                        <a:rPr lang="en-US" sz="1500" b="0" spc="-150" dirty="0">
                           <a:solidFill>
                             <a:schemeClr val="tx1"/>
                           </a:solidFill>
@@ -4886,6 +4912,48 @@
                           <a:cs typeface="Arial" panose="020B0604020202020204" pitchFamily="34" charset="0"/>
                         </a:rPr>
                         <a:t>2022</a:t>
+                      </a:r>
+                    </a:p>
+                  </a:txBody>
+                  <a:tcPr>
+                    <a:noFill/>
+                  </a:tcPr>
+                </a:tc>
+                <a:tc>
+                  <a:txBody>
+                    <a:bodyPr/>
+                    <a:lstStyle/>
+                    <a:p>
+                      <a:r>
+                        <a:rPr lang="en-US" sz="1500" b="0" spc="-150" dirty="0">
+                          <a:solidFill>
+                            <a:schemeClr val="tx1"/>
+                          </a:solidFill>
+                          <a:latin typeface="Arial" panose="020B0604020202020204" pitchFamily="34" charset="0"/>
+                          <a:cs typeface="Arial" panose="020B0604020202020204" pitchFamily="34" charset="0"/>
+                        </a:rPr>
+                        <a:t>2023</a:t>
+                      </a:r>
+                    </a:p>
+                  </a:txBody>
+                  <a:tcPr>
+                    <a:noFill/>
+                  </a:tcPr>
+                </a:tc>
+                <a:tc>
+                  <a:txBody>
+                    <a:bodyPr/>
+                    <a:lstStyle/>
+                    <a:p>
+                      <a:r>
+                        <a:rPr lang="en-US" sz="1500" b="0" spc="-150" dirty="0">
+                          <a:solidFill>
+                            <a:schemeClr val="tx1"/>
+                          </a:solidFill>
+                          <a:latin typeface="Arial" panose="020B0604020202020204" pitchFamily="34" charset="0"/>
+                          <a:cs typeface="Arial" panose="020B0604020202020204" pitchFamily="34" charset="0"/>
+                        </a:rPr>
+                        <a:t>2024</a:t>
                       </a:r>
                     </a:p>
                   </a:txBody>
@@ -4938,7 +5006,7 @@
     </p:spTree>
     <p:extLst>
       <p:ext uri="{BB962C8B-B14F-4D97-AF65-F5344CB8AC3E}">
-        <p14:creationId xmlns:p14="http://schemas.microsoft.com/office/powerpoint/2010/main" val="1537599060"/>
+        <p14:creationId xmlns:p14="http://schemas.microsoft.com/office/powerpoint/2010/main" val="3171471667"/>
       </p:ext>
     </p:extLst>
   </p:cSld>

--- a/HARP-Onboarding/HARP_Timeline.pptx
+++ b/HARP-Onboarding/HARP_Timeline.pptx
@@ -620,6 +620,11 @@
               </a:ln>
               <a:effectLst/>
             </c:spPr>
+            <c:extLst>
+              <c:ext xmlns:c16="http://schemas.microsoft.com/office/drawing/2014/chart" uri="{C3380CC4-5D6E-409C-BE32-E72D297353CC}">
+                <c16:uniqueId val="{00000013-9B32-4ECA-B799-F085D32940FF}"/>
+              </c:ext>
+            </c:extLst>
           </c:dPt>
           <c:cat>
             <c:strRef>
@@ -4583,7 +4588,7 @@
           <p:nvPr>
             <p:extLst>
               <p:ext uri="{D42A27DB-BD31-4B8C-83A1-F6EECF244321}">
-                <p14:modId xmlns:p14="http://schemas.microsoft.com/office/powerpoint/2010/main" val="317448969"/>
+                <p14:modId xmlns:p14="http://schemas.microsoft.com/office/powerpoint/2010/main" val="2033171174"/>
               </p:ext>
             </p:extLst>
           </p:nvPr>
@@ -4607,7 +4612,7 @@
           <p:nvPr>
             <p:extLst>
               <p:ext uri="{D42A27DB-BD31-4B8C-83A1-F6EECF244321}">
-                <p14:modId xmlns:p14="http://schemas.microsoft.com/office/powerpoint/2010/main" val="1649067287"/>
+                <p14:modId xmlns:p14="http://schemas.microsoft.com/office/powerpoint/2010/main" val="301815165"/>
               </p:ext>
             </p:extLst>
           </p:nvPr>
@@ -4998,7 +5003,7 @@
                 <a:latin typeface="Arial" panose="020B0604020202020204" pitchFamily="34" charset="0"/>
                 <a:cs typeface="Arial" panose="020B0604020202020204" pitchFamily="34" charset="0"/>
               </a:rPr>
-              <a:t>*30+ Total HARP analysts through 2022</a:t>
+              <a:t>*35+ Total HARP analysts through 2023</a:t>
             </a:r>
           </a:p>
         </p:txBody>
